--- a/src/ResumeBuilder/presentationpptx.pptx
+++ b/src/ResumeBuilder/presentationpptx.pptx
@@ -11,13 +11,11 @@
     <p:sldId id="263" r:id="rId3"/>
     <p:sldId id="257" r:id="rId5"/>
     <p:sldId id="259" r:id="rId6"/>
-    <p:sldId id="276" r:id="rId7"/>
-    <p:sldId id="277" r:id="rId8"/>
-    <p:sldId id="278" r:id="rId9"/>
-    <p:sldId id="266" r:id="rId10"/>
-    <p:sldId id="268" r:id="rId11"/>
-    <p:sldId id="260" r:id="rId12"/>
-    <p:sldId id="264" r:id="rId13"/>
+    <p:sldId id="274" r:id="rId7"/>
+    <p:sldId id="273" r:id="rId8"/>
+    <p:sldId id="272" r:id="rId9"/>
+    <p:sldId id="260" r:id="rId10"/>
+    <p:sldId id="264" r:id="rId11"/>
   </p:sldIdLst>
   <p:sldSz cx="12192000" cy="6858000"/>
   <p:notesSz cx="6858000" cy="9144000"/>
@@ -783,7 +781,7 @@
   <p:cSld>
     <p:spTree>
       <p:nvGrpSpPr>
-        <p:cNvPr id="1" name="Shape 473"/>
+        <p:cNvPr id="1" name="Shape 490"/>
         <p:cNvGrpSpPr/>
         <p:nvPr/>
       </p:nvGrpSpPr>
@@ -797,7 +795,7 @@
       </p:grpSpPr>
       <p:sp>
         <p:nvSpPr>
-          <p:cNvPr id="474" name="Google Shape;474;gb347e33ac9_0_5:notes"/>
+          <p:cNvPr id="491" name="Google Shape;491;gab8d1ca927_3_206:notes"/>
           <p:cNvSpPr>
             <a:spLocks noGrp="1" noRot="1" noChangeAspect="1"/>
           </p:cNvSpPr>
@@ -838,7 +836,7 @@
       </p:sp>
       <p:sp>
         <p:nvSpPr>
-          <p:cNvPr id="475" name="Google Shape;475;gb347e33ac9_0_5:notes"/>
+          <p:cNvPr id="492" name="Google Shape;492;gab8d1ca927_3_206:notes"/>
           <p:cNvSpPr txBox="1">
             <a:spLocks noGrp="1"/>
           </p:cNvSpPr>
@@ -883,214 +881,6 @@
 </file>
 
 <file path=ppt/notesSlides/notesSlide5.xml><?xml version="1.0" encoding="utf-8"?>
-<p:notes xmlns:a="http://schemas.openxmlformats.org/drawingml/2006/main" xmlns:r="http://schemas.openxmlformats.org/officeDocument/2006/relationships" xmlns:p="http://schemas.openxmlformats.org/presentationml/2006/main" showMasterPhAnim="0" showMasterSp="0">
-  <p:cSld>
-    <p:spTree>
-      <p:nvGrpSpPr>
-        <p:cNvPr id="1" name="Shape 473"/>
-        <p:cNvGrpSpPr/>
-        <p:nvPr/>
-      </p:nvGrpSpPr>
-      <p:grpSpPr>
-        <a:xfrm>
-          <a:off x="0" y="0"/>
-          <a:ext cx="0" cy="0"/>
-          <a:chOff x="0" y="0"/>
-          <a:chExt cx="0" cy="0"/>
-        </a:xfrm>
-      </p:grpSpPr>
-      <p:sp>
-        <p:nvSpPr>
-          <p:cNvPr id="474" name="Google Shape;474;gb347e33ac9_0_5:notes"/>
-          <p:cNvSpPr>
-            <a:spLocks noGrp="1" noRot="1" noChangeAspect="1"/>
-          </p:cNvSpPr>
-          <p:nvPr>
-            <p:ph type="sldImg" idx="2"/>
-          </p:nvPr>
-        </p:nvSpPr>
-        <p:spPr>
-          <a:xfrm>
-            <a:off x="381000" y="685800"/>
-            <a:ext cx="6096000" cy="3429000"/>
-          </a:xfrm>
-          <a:custGeom>
-            <a:avLst/>
-            <a:gdLst/>
-            <a:ahLst/>
-            <a:cxnLst/>
-            <a:rect l="l" t="t" r="r" b="b"/>
-            <a:pathLst>
-              <a:path w="120000" h="120000" extrusionOk="0">
-                <a:moveTo>
-                  <a:pt x="0" y="0"/>
-                </a:moveTo>
-                <a:lnTo>
-                  <a:pt x="120000" y="0"/>
-                </a:lnTo>
-                <a:lnTo>
-                  <a:pt x="120000" y="120000"/>
-                </a:lnTo>
-                <a:lnTo>
-                  <a:pt x="0" y="120000"/>
-                </a:lnTo>
-                <a:close/>
-              </a:path>
-            </a:pathLst>
-          </a:custGeom>
-        </p:spPr>
-      </p:sp>
-      <p:sp>
-        <p:nvSpPr>
-          <p:cNvPr id="475" name="Google Shape;475;gb347e33ac9_0_5:notes"/>
-          <p:cNvSpPr txBox="1">
-            <a:spLocks noGrp="1"/>
-          </p:cNvSpPr>
-          <p:nvPr>
-            <p:ph type="body" idx="1"/>
-          </p:nvPr>
-        </p:nvSpPr>
-        <p:spPr>
-          <a:xfrm>
-            <a:off x="685800" y="4343400"/>
-            <a:ext cx="5486400" cy="4114800"/>
-          </a:xfrm>
-          <a:prstGeom prst="rect">
-            <a:avLst/>
-          </a:prstGeom>
-        </p:spPr>
-        <p:txBody>
-          <a:bodyPr spcFirstLastPara="1" wrap="square" lIns="91425" tIns="91425" rIns="91425" bIns="91425" anchor="t" anchorCtr="0">
-            <a:noAutofit/>
-          </a:bodyPr>
-          <a:lstStyle/>
-          <a:p>
-            <a:pPr marL="0" lvl="0" indent="0" algn="l" rtl="0">
-              <a:spcBef>
-                <a:spcPts val="0"/>
-              </a:spcBef>
-              <a:spcAft>
-                <a:spcPts val="0"/>
-              </a:spcAft>
-              <a:buNone/>
-            </a:pPr>
-            <a:endParaRPr dirty="0"/>
-          </a:p>
-        </p:txBody>
-      </p:sp>
-    </p:spTree>
-  </p:cSld>
-  <p:clrMapOvr>
-    <a:masterClrMapping/>
-  </p:clrMapOvr>
-</p:notes>
-</file>
-
-<file path=ppt/notesSlides/notesSlide6.xml><?xml version="1.0" encoding="utf-8"?>
-<p:notes xmlns:a="http://schemas.openxmlformats.org/drawingml/2006/main" xmlns:r="http://schemas.openxmlformats.org/officeDocument/2006/relationships" xmlns:p="http://schemas.openxmlformats.org/presentationml/2006/main" showMasterPhAnim="0" showMasterSp="0">
-  <p:cSld>
-    <p:spTree>
-      <p:nvGrpSpPr>
-        <p:cNvPr id="1" name="Shape 490"/>
-        <p:cNvGrpSpPr/>
-        <p:nvPr/>
-      </p:nvGrpSpPr>
-      <p:grpSpPr>
-        <a:xfrm>
-          <a:off x="0" y="0"/>
-          <a:ext cx="0" cy="0"/>
-          <a:chOff x="0" y="0"/>
-          <a:chExt cx="0" cy="0"/>
-        </a:xfrm>
-      </p:grpSpPr>
-      <p:sp>
-        <p:nvSpPr>
-          <p:cNvPr id="491" name="Google Shape;491;gab8d1ca927_3_206:notes"/>
-          <p:cNvSpPr>
-            <a:spLocks noGrp="1" noRot="1" noChangeAspect="1"/>
-          </p:cNvSpPr>
-          <p:nvPr>
-            <p:ph type="sldImg" idx="2"/>
-          </p:nvPr>
-        </p:nvSpPr>
-        <p:spPr>
-          <a:xfrm>
-            <a:off x="381000" y="685800"/>
-            <a:ext cx="6096000" cy="3429000"/>
-          </a:xfrm>
-          <a:custGeom>
-            <a:avLst/>
-            <a:gdLst/>
-            <a:ahLst/>
-            <a:cxnLst/>
-            <a:rect l="l" t="t" r="r" b="b"/>
-            <a:pathLst>
-              <a:path w="120000" h="120000" extrusionOk="0">
-                <a:moveTo>
-                  <a:pt x="0" y="0"/>
-                </a:moveTo>
-                <a:lnTo>
-                  <a:pt x="120000" y="0"/>
-                </a:lnTo>
-                <a:lnTo>
-                  <a:pt x="120000" y="120000"/>
-                </a:lnTo>
-                <a:lnTo>
-                  <a:pt x="0" y="120000"/>
-                </a:lnTo>
-                <a:close/>
-              </a:path>
-            </a:pathLst>
-          </a:custGeom>
-        </p:spPr>
-      </p:sp>
-      <p:sp>
-        <p:nvSpPr>
-          <p:cNvPr id="492" name="Google Shape;492;gab8d1ca927_3_206:notes"/>
-          <p:cNvSpPr txBox="1">
-            <a:spLocks noGrp="1"/>
-          </p:cNvSpPr>
-          <p:nvPr>
-            <p:ph type="body" idx="1"/>
-          </p:nvPr>
-        </p:nvSpPr>
-        <p:spPr>
-          <a:xfrm>
-            <a:off x="685800" y="4343400"/>
-            <a:ext cx="5486400" cy="4114800"/>
-          </a:xfrm>
-          <a:prstGeom prst="rect">
-            <a:avLst/>
-          </a:prstGeom>
-        </p:spPr>
-        <p:txBody>
-          <a:bodyPr spcFirstLastPara="1" wrap="square" lIns="91425" tIns="91425" rIns="91425" bIns="91425" anchor="t" anchorCtr="0">
-            <a:noAutofit/>
-          </a:bodyPr>
-          <a:lstStyle/>
-          <a:p>
-            <a:pPr marL="0" lvl="0" indent="0" algn="l" rtl="0">
-              <a:spcBef>
-                <a:spcPts val="0"/>
-              </a:spcBef>
-              <a:spcAft>
-                <a:spcPts val="0"/>
-              </a:spcAft>
-              <a:buNone/>
-            </a:pPr>
-            <a:endParaRPr dirty="0"/>
-          </a:p>
-        </p:txBody>
-      </p:sp>
-    </p:spTree>
-  </p:cSld>
-  <p:clrMapOvr>
-    <a:masterClrMapping/>
-  </p:clrMapOvr>
-</p:notes>
-</file>
-
-<file path=ppt/notesSlides/notesSlide7.xml><?xml version="1.0" encoding="utf-8"?>
 <p:notes xmlns:a="http://schemas.openxmlformats.org/drawingml/2006/main" xmlns:r="http://schemas.openxmlformats.org/officeDocument/2006/relationships" xmlns:p="http://schemas.openxmlformats.org/presentationml/2006/main" showMasterPhAnim="0" showMasterSp="0">
   <p:cSld>
     <p:spTree>
@@ -12100,9 +11890,20 @@
 <p:sld xmlns:a="http://schemas.openxmlformats.org/drawingml/2006/main" xmlns:r="http://schemas.openxmlformats.org/officeDocument/2006/relationships" xmlns:p="http://schemas.openxmlformats.org/presentationml/2006/main">
   <p:cSld>
     <p:bg>
-      <p:bgRef idx="1001">
-        <a:schemeClr val="bg1"/>
-      </p:bgRef>
+      <p:bgPr>
+        <a:gradFill>
+          <a:gsLst>
+            <a:gs pos="0">
+              <a:srgbClr val="FECF40"/>
+            </a:gs>
+            <a:gs pos="100000">
+              <a:srgbClr val="846C21"/>
+            </a:gs>
+          </a:gsLst>
+          <a:lin scaled="0"/>
+        </a:gradFill>
+        <a:effectLst/>
+      </p:bgPr>
     </p:bg>
     <p:spTree>
       <p:nvGrpSpPr>
@@ -12144,7 +11945,7 @@
           <a:lstStyle/>
           <a:p>
             <a:r>
-              <a:rPr lang="en-GB" sz="10000" b="1" dirty="0">
+              <a:rPr lang="en-GB" sz="10000" b="1" dirty="0" smtClean="0">
                 <a:solidFill>
                   <a:schemeClr val="tx2">
                     <a:lumMod val="75000"/>
@@ -12221,7 +12022,7 @@
               <a:t> на </a:t>
             </a:r>
             <a:r>
-              <a:rPr lang="ru-RU" sz="4000" dirty="0" err="1">
+              <a:rPr lang="ru-RU" sz="4000" dirty="0" err="1" smtClean="0">
                 <a:solidFill>
                   <a:schemeClr val="tx2">
                     <a:lumMod val="75000"/>
@@ -12232,7 +12033,7 @@
               <a:t>собствено</a:t>
             </a:r>
             <a:r>
-              <a:rPr lang="ru-RU" sz="4000" dirty="0">
+              <a:rPr lang="ru-RU" sz="4000" dirty="0" smtClean="0">
                 <a:solidFill>
                   <a:schemeClr val="tx2">
                     <a:lumMod val="75000"/>
@@ -12243,7 +12044,7 @@
               <a:t> </a:t>
             </a:r>
             <a:r>
-              <a:rPr lang="en-GB" sz="4000" dirty="0">
+              <a:rPr lang="en-GB" sz="4000" dirty="0" smtClean="0">
                 <a:solidFill>
                   <a:schemeClr val="tx2">
                     <a:lumMod val="75000"/>
@@ -12254,7 +12055,7 @@
               <a:t> CV</a:t>
             </a:r>
             <a:r>
-              <a:rPr lang="ru-RU" sz="4000" dirty="0">
+              <a:rPr lang="ru-RU" sz="4000" dirty="0" smtClean="0">
                 <a:solidFill>
                   <a:schemeClr val="tx2">
                     <a:lumMod val="75000"/>
@@ -12283,95 +12084,25 @@
 </p:sld>
 </file>
 
-<file path=ppt/slides/slide10.xml><?xml version="1.0" encoding="utf-8"?>
-<p:sld xmlns:a="http://schemas.openxmlformats.org/drawingml/2006/main" xmlns:r="http://schemas.openxmlformats.org/officeDocument/2006/relationships" xmlns:p="http://schemas.openxmlformats.org/presentationml/2006/main">
-  <p:cSld>
-    <p:spTree>
-      <p:nvGrpSpPr>
-        <p:cNvPr id="1" name="Shape 504"/>
-        <p:cNvGrpSpPr/>
-        <p:nvPr/>
-      </p:nvGrpSpPr>
-      <p:grpSpPr>
-        <a:xfrm>
-          <a:off x="0" y="0"/>
-          <a:ext cx="0" cy="0"/>
-          <a:chOff x="0" y="0"/>
-          <a:chExt cx="0" cy="0"/>
-        </a:xfrm>
-      </p:grpSpPr>
-      <p:sp>
-        <p:nvSpPr>
-          <p:cNvPr id="505" name="Google Shape;505;p33"/>
-          <p:cNvSpPr txBox="1">
-            <a:spLocks noGrp="1"/>
-          </p:cNvSpPr>
-          <p:nvPr>
-            <p:ph type="title"/>
-          </p:nvPr>
-        </p:nvSpPr>
-        <p:spPr>
-          <a:xfrm>
-            <a:off x="303276" y="2117590"/>
-            <a:ext cx="11585448" cy="2897140"/>
-          </a:xfrm>
-          <a:prstGeom prst="rect">
-            <a:avLst/>
-          </a:prstGeom>
-        </p:spPr>
-        <p:txBody>
-          <a:bodyPr spcFirstLastPara="1" vert="horz" wrap="square" lIns="121900" tIns="121900" rIns="121900" bIns="121900" rtlCol="0" anchor="ctr" anchorCtr="0">
-            <a:noAutofit/>
-          </a:bodyPr>
-          <a:lstStyle/>
-          <a:p>
-            <a:r>
-              <a:rPr lang="bg-BG" sz="9000" b="1" dirty="0">
-                <a:solidFill>
-                  <a:schemeClr val="tx2">
-                    <a:lumMod val="75000"/>
-                  </a:schemeClr>
-                </a:solidFill>
-                <a:latin typeface="Josefin Sans" pitchFamily="2" charset="0"/>
-              </a:rPr>
-              <a:t>Благодарим за вниманието</a:t>
-            </a:r>
-            <a:r>
-              <a:rPr lang="en-GB" sz="9000" b="1" dirty="0">
-                <a:solidFill>
-                  <a:schemeClr val="tx2">
-                    <a:lumMod val="75000"/>
-                  </a:schemeClr>
-                </a:solidFill>
-                <a:latin typeface="Josefin Sans" pitchFamily="2" charset="0"/>
-              </a:rPr>
-              <a:t>!</a:t>
-            </a:r>
-            <a:endParaRPr sz="9000" b="1" dirty="0">
-              <a:solidFill>
-                <a:schemeClr val="tx2">
-                  <a:lumMod val="75000"/>
-                </a:schemeClr>
-              </a:solidFill>
-              <a:latin typeface="Josefin Sans" pitchFamily="2" charset="0"/>
-            </a:endParaRPr>
-          </a:p>
-        </p:txBody>
-      </p:sp>
-    </p:spTree>
-  </p:cSld>
-  <p:clrMapOvr>
-    <a:masterClrMapping/>
-  </p:clrMapOvr>
-  <p:transition spd="slow">
-    <p:wipe/>
-  </p:transition>
-</p:sld>
-</file>
-
 <file path=ppt/slides/slide2.xml><?xml version="1.0" encoding="utf-8"?>
 <p:sld xmlns:a="http://schemas.openxmlformats.org/drawingml/2006/main" xmlns:r="http://schemas.openxmlformats.org/officeDocument/2006/relationships" xmlns:p="http://schemas.openxmlformats.org/presentationml/2006/main">
   <p:cSld>
+    <p:bg>
+      <p:bgPr>
+        <a:gradFill>
+          <a:gsLst>
+            <a:gs pos="0">
+              <a:srgbClr val="FECF40"/>
+            </a:gs>
+            <a:gs pos="100000">
+              <a:srgbClr val="846C21"/>
+            </a:gs>
+          </a:gsLst>
+          <a:lin scaled="0"/>
+        </a:gradFill>
+        <a:effectLst/>
+      </p:bgPr>
+    </p:bg>
     <p:spTree>
       <p:nvGrpSpPr>
         <p:cNvPr id="1" name="Shape 463"/>
@@ -12413,7 +12144,7 @@
           <a:p>
             <a:pPr algn="ctr"/>
             <a:r>
-              <a:rPr lang="bg-BG" sz="5200" b="1" dirty="0">
+              <a:rPr lang="bg-BG" sz="5200" b="1" dirty="0" smtClean="0">
                 <a:solidFill>
                   <a:schemeClr val="tx2">
                     <a:lumMod val="75000"/>
@@ -12458,7 +12189,7 @@
           <a:p>
             <a:pPr algn="ctr"/>
             <a:r>
-              <a:rPr lang="bg-BG" sz="1400" b="1" dirty="0">
+              <a:rPr lang="bg-BG" sz="1400" b="1" dirty="0" smtClean="0">
                 <a:latin typeface="Josefin Sans" pitchFamily="2" charset="0"/>
               </a:rPr>
               <a:t>Кристиан Сираков</a:t>
@@ -12469,7 +12200,7 @@
               </a:rPr>
             </a:br>
             <a:r>
-              <a:rPr lang="en-GB" sz="1400" b="1" dirty="0">
+              <a:rPr lang="en-GB" sz="1400" b="1" dirty="0" smtClean="0">
                 <a:latin typeface="Josefin Sans" pitchFamily="2" charset="0"/>
               </a:rPr>
               <a:t>Frontend Developer</a:t>
@@ -12504,7 +12235,7 @@
           <a:p>
             <a:pPr algn="ctr"/>
             <a:r>
-              <a:rPr lang="bg-BG" sz="1400" b="1" dirty="0">
+              <a:rPr lang="bg-BG" sz="1400" b="1" dirty="0" smtClean="0">
                 <a:latin typeface="Josefin Sans" pitchFamily="2" charset="0"/>
               </a:rPr>
               <a:t>Георги Жеков</a:t>
@@ -12550,7 +12281,7 @@
           <a:p>
             <a:pPr algn="ctr"/>
             <a:r>
-              <a:rPr lang="bg-BG" sz="1400" b="1" dirty="0">
+              <a:rPr lang="bg-BG" sz="1400" b="1" dirty="0" smtClean="0">
                 <a:latin typeface="Josefin Sans" pitchFamily="2" charset="0"/>
               </a:rPr>
               <a:t>Васил Младенов</a:t>
@@ -12561,7 +12292,7 @@
               </a:rPr>
             </a:br>
             <a:r>
-              <a:rPr lang="en-US" sz="1400" b="1" dirty="0">
+              <a:rPr lang="en-US" sz="1400" b="1" dirty="0" smtClean="0">
                 <a:latin typeface="Josefin Sans" pitchFamily="2" charset="0"/>
               </a:rPr>
               <a:t>Backend Developer</a:t>
@@ -12596,7 +12327,7 @@
           <a:p>
             <a:pPr algn="ctr"/>
             <a:r>
-              <a:rPr lang="bg-BG" sz="1400" b="1" dirty="0">
+              <a:rPr lang="bg-BG" sz="1400" b="1" dirty="0" smtClean="0">
                 <a:latin typeface="Josefin Sans" pitchFamily="2" charset="0"/>
               </a:rPr>
               <a:t>Михаил Неделчев</a:t>
@@ -12607,7 +12338,7 @@
               </a:rPr>
             </a:br>
             <a:r>
-              <a:rPr lang="en-US" sz="1400" b="1" dirty="0">
+              <a:rPr lang="en-US" sz="1400" b="1" dirty="0" smtClean="0">
                 <a:latin typeface="Josefin Sans" pitchFamily="2" charset="0"/>
               </a:rPr>
               <a:t>Backend Developer</a:t>
@@ -12642,13 +12373,13 @@
           <a:p>
             <a:pPr algn="ctr"/>
             <a:r>
-              <a:rPr lang="bg-BG" sz="1400" b="1" dirty="0" err="1">
+              <a:rPr lang="bg-BG" sz="1400" b="1" dirty="0" err="1" smtClean="0">
                 <a:latin typeface="Josefin Sans" pitchFamily="2" charset="0"/>
               </a:rPr>
               <a:t>Емма</a:t>
             </a:r>
             <a:r>
-              <a:rPr lang="bg-BG" sz="1400" b="1" dirty="0">
+              <a:rPr lang="bg-BG" sz="1400" b="1" dirty="0" smtClean="0">
                 <a:latin typeface="Josefin Sans" pitchFamily="2" charset="0"/>
               </a:rPr>
               <a:t> Георгиева</a:t>
@@ -12659,10 +12390,16 @@
               </a:rPr>
             </a:br>
             <a:r>
+              <a:rPr lang="en-US" sz="1400" b="1" dirty="0" smtClean="0">
+                <a:latin typeface="Josefin Sans" pitchFamily="2" charset="0"/>
+              </a:rPr>
+              <a:t>Frontend </a:t>
+            </a:r>
+            <a:r>
               <a:rPr lang="en-US" sz="1400" b="1" dirty="0">
                 <a:latin typeface="Josefin Sans" pitchFamily="2" charset="0"/>
               </a:rPr>
-              <a:t>Frontend Developer</a:t>
+              <a:t>Developer</a:t>
             </a:r>
             <a:endParaRPr lang="de-DE" sz="1400" b="1" dirty="0">
               <a:latin typeface="Josefin Sans" pitchFamily="2" charset="0"/>
@@ -12679,7 +12416,7 @@
           <p:nvPr/>
         </p:nvPicPr>
         <p:blipFill>
-          <a:blip r:embed="rId1" cstate="print">
+          <a:blip r:embed="rId1">
             <a:extLst>
               <a:ext uri="{28A0092B-C50C-407E-A947-70E740481C1C}">
                 <a14:useLocalDpi xmlns:a14="http://schemas.microsoft.com/office/drawing/2010/main" val="0"/>
@@ -12771,7 +12508,7 @@
           <p:nvPr/>
         </p:nvPicPr>
         <p:blipFill>
-          <a:blip r:embed="rId3" cstate="print">
+          <a:blip r:embed="rId3">
             <a:extLst>
               <a:ext uri="{28A0092B-C50C-407E-A947-70E740481C1C}">
                 <a14:useLocalDpi xmlns:a14="http://schemas.microsoft.com/office/drawing/2010/main" val="0"/>
@@ -12817,7 +12554,7 @@
           <p:nvPr/>
         </p:nvPicPr>
         <p:blipFill>
-          <a:blip r:embed="rId4" cstate="print">
+          <a:blip r:embed="rId4">
             <a:extLst>
               <a:ext uri="{28A0092B-C50C-407E-A947-70E740481C1C}">
                 <a14:useLocalDpi xmlns:a14="http://schemas.microsoft.com/office/drawing/2010/main" val="0"/>
@@ -12863,7 +12600,7 @@
           <p:nvPr/>
         </p:nvPicPr>
         <p:blipFill>
-          <a:blip r:embed="rId5" cstate="print">
+          <a:blip r:embed="rId5">
             <a:extLst>
               <a:ext uri="{28A0092B-C50C-407E-A947-70E740481C1C}">
                 <a14:useLocalDpi xmlns:a14="http://schemas.microsoft.com/office/drawing/2010/main" val="0"/>
@@ -12905,15 +12642,40 @@
   <p:clrMapOvr>
     <a:masterClrMapping/>
   </p:clrMapOvr>
-  <p:transition spd="slow">
-    <p:wipe/>
-  </p:transition>
+  <mc:AlternateContent xmlns:mc="http://schemas.openxmlformats.org/markup-compatibility/2006">
+    <mc:Choice xmlns:p14="http://schemas.microsoft.com/office/powerpoint/2010/main" Requires="p14">
+      <p:transition spd="slow" p14:dur="1000">
+        <p:wipe/>
+      </p:transition>
+    </mc:Choice>
+    <mc:Fallback>
+      <p:transition spd="slow">
+        <p:wipe/>
+      </p:transition>
+    </mc:Fallback>
+  </mc:AlternateContent>
 </p:sld>
 </file>
 
 <file path=ppt/slides/slide3.xml><?xml version="1.0" encoding="utf-8"?>
 <p:sld xmlns:a="http://schemas.openxmlformats.org/drawingml/2006/main" xmlns:r="http://schemas.openxmlformats.org/officeDocument/2006/relationships" xmlns:p="http://schemas.openxmlformats.org/presentationml/2006/main">
   <p:cSld>
+    <p:bg>
+      <p:bgPr>
+        <a:gradFill>
+          <a:gsLst>
+            <a:gs pos="0">
+              <a:srgbClr val="FECF40"/>
+            </a:gs>
+            <a:gs pos="100000">
+              <a:srgbClr val="846C21"/>
+            </a:gs>
+          </a:gsLst>
+          <a:lin scaled="0"/>
+        </a:gradFill>
+        <a:effectLst/>
+      </p:bgPr>
+    </p:bg>
     <p:spTree>
       <p:nvGrpSpPr>
         <p:cNvPr id="1" name="Shape 476"/>
@@ -12955,7 +12717,7 @@
           <a:p>
             <a:pPr algn="ctr"/>
             <a:r>
-              <a:rPr lang="bg-BG" b="1" dirty="0">
+              <a:rPr lang="bg-BG" b="1" dirty="0" smtClean="0">
                 <a:solidFill>
                   <a:schemeClr val="tx2">
                     <a:lumMod val="75000"/>
@@ -13003,7 +12765,7 @@
           <a:p>
             <a:pPr marL="0" indent="0"/>
             <a:r>
-              <a:rPr lang="bg-BG" sz="2700" dirty="0">
+              <a:rPr lang="bg-BG" sz="2700" dirty="0" smtClean="0">
                 <a:solidFill>
                   <a:schemeClr val="tx2">
                     <a:lumMod val="75000"/>
@@ -13034,8 +12796,8 @@
         </p:nvSpPr>
         <p:spPr>
           <a:xfrm>
-            <a:off x="1163355" y="2967455"/>
-            <a:ext cx="4920000" cy="476000"/>
+            <a:off x="901700" y="2951480"/>
+            <a:ext cx="4664710" cy="765175"/>
           </a:xfrm>
           <a:prstGeom prst="rect">
             <a:avLst/>
@@ -13049,26 +12811,14 @@
           <a:p>
             <a:pPr marL="0" indent="0"/>
             <a:r>
-              <a:rPr lang="bg-BG" sz="2700" dirty="0">
-                <a:solidFill>
-                  <a:schemeClr val="tx2">
-                    <a:lumMod val="75000"/>
-                  </a:schemeClr>
-                </a:solidFill>
-                <a:latin typeface="Josefin Sans" pitchFamily="2" charset="0"/>
-                <a:sym typeface="+mn-ea"/>
-              </a:rPr>
-              <a:t>Идея на проекта</a:t>
-            </a:r>
-            <a:r>
-              <a:rPr lang="bg-BG" sz="2700" dirty="0">
+              <a:rPr lang="bg-BG" sz="2700" dirty="0" smtClean="0">
                 <a:solidFill>
                   <a:schemeClr val="tx2">
                     <a:lumMod val="75000"/>
                   </a:schemeClr>
                 </a:solidFill>
               </a:rPr>
-              <a:t> </a:t>
+              <a:t>Разпределяне на задачите </a:t>
             </a:r>
             <a:endParaRPr sz="2700" dirty="0">
               <a:solidFill>
@@ -13107,7 +12857,7 @@
           <a:p>
             <a:pPr marL="0" indent="0"/>
             <a:r>
-              <a:rPr lang="bg-BG" sz="2700" dirty="0">
+              <a:rPr lang="bg-BG" sz="2700" dirty="0" smtClean="0">
                 <a:solidFill>
                   <a:schemeClr val="tx2">
                     <a:lumMod val="75000"/>
@@ -13153,7 +12903,7 @@
           <a:p>
             <a:pPr marL="0" indent="0"/>
             <a:r>
-              <a:rPr lang="bg-BG" sz="2700" dirty="0">
+              <a:rPr lang="bg-BG" sz="2700" dirty="0" smtClean="0">
                 <a:solidFill>
                   <a:schemeClr val="tx2">
                     <a:lumMod val="75000"/>
@@ -13184,7 +12934,7 @@
         </p:nvSpPr>
         <p:spPr>
           <a:xfrm>
-            <a:off x="2930555" y="2036972"/>
+            <a:off x="2930555" y="2061102"/>
             <a:ext cx="1385600" cy="890000"/>
           </a:xfrm>
           <a:prstGeom prst="rect">
@@ -13352,162 +13102,20 @@
           </a:p>
         </p:txBody>
       </p:sp>
-      <p:sp>
-        <p:nvSpPr>
-          <p:cNvPr id="4" name="Заглавие 1"/>
-          <p:cNvSpPr>
-            <a:spLocks noGrp="1"/>
-          </p:cNvSpPr>
-          <p:nvPr/>
-        </p:nvSpPr>
-        <p:spPr>
-          <a:xfrm>
-            <a:off x="2842746" y="-2407119"/>
-            <a:ext cx="6480000" cy="1096400"/>
-          </a:xfrm>
-          <a:prstGeom prst="rect">
-            <a:avLst/>
-          </a:prstGeom>
-        </p:spPr>
-        <p:txBody>
-          <a:bodyPr vert="horz" wrap="square" lIns="91425" tIns="91425" rIns="91425" bIns="91425" rtlCol="0" anchor="ctr" anchorCtr="0">
-            <a:noAutofit/>
-          </a:bodyPr>
-          <a:lstStyle>
-            <a:lvl1pPr lvl="0" algn="l" defTabSz="914400" rtl="0" eaLnBrk="1" latinLnBrk="0" hangingPunct="1">
-              <a:lnSpc>
-                <a:spcPct val="90000"/>
-              </a:lnSpc>
-              <a:spcBef>
-                <a:spcPts val="0"/>
-              </a:spcBef>
-              <a:spcAft>
-                <a:spcPts val="0"/>
-              </a:spcAft>
-              <a:buSzPts val="3600"/>
-              <a:buNone/>
-              <a:defRPr sz="8000" kern="1200">
-                <a:solidFill>
-                  <a:schemeClr val="tx1"/>
-                </a:solidFill>
-                <a:latin typeface="+mj-lt"/>
-                <a:ea typeface="+mj-ea"/>
-                <a:cs typeface="+mj-cs"/>
-              </a:defRPr>
-            </a:lvl1pPr>
-            <a:lvl2pPr lvl="1" rtl="0">
-              <a:spcBef>
-                <a:spcPts val="0"/>
-              </a:spcBef>
-              <a:spcAft>
-                <a:spcPts val="0"/>
-              </a:spcAft>
-              <a:buSzPts val="3600"/>
-              <a:buNone/>
-              <a:defRPr sz="4800"/>
-            </a:lvl2pPr>
-            <a:lvl3pPr lvl="2" rtl="0">
-              <a:spcBef>
-                <a:spcPts val="0"/>
-              </a:spcBef>
-              <a:spcAft>
-                <a:spcPts val="0"/>
-              </a:spcAft>
-              <a:buSzPts val="3600"/>
-              <a:buNone/>
-              <a:defRPr sz="4800"/>
-            </a:lvl3pPr>
-            <a:lvl4pPr lvl="3" rtl="0">
-              <a:spcBef>
-                <a:spcPts val="0"/>
-              </a:spcBef>
-              <a:spcAft>
-                <a:spcPts val="0"/>
-              </a:spcAft>
-              <a:buSzPts val="3600"/>
-              <a:buNone/>
-              <a:defRPr sz="4800"/>
-            </a:lvl4pPr>
-            <a:lvl5pPr lvl="4" rtl="0">
-              <a:spcBef>
-                <a:spcPts val="0"/>
-              </a:spcBef>
-              <a:spcAft>
-                <a:spcPts val="0"/>
-              </a:spcAft>
-              <a:buSzPts val="3600"/>
-              <a:buNone/>
-              <a:defRPr sz="4800"/>
-            </a:lvl5pPr>
-            <a:lvl6pPr lvl="5" rtl="0">
-              <a:spcBef>
-                <a:spcPts val="0"/>
-              </a:spcBef>
-              <a:spcAft>
-                <a:spcPts val="0"/>
-              </a:spcAft>
-              <a:buSzPts val="3600"/>
-              <a:buNone/>
-              <a:defRPr sz="4800"/>
-            </a:lvl6pPr>
-            <a:lvl7pPr lvl="6" rtl="0">
-              <a:spcBef>
-                <a:spcPts val="0"/>
-              </a:spcBef>
-              <a:spcAft>
-                <a:spcPts val="0"/>
-              </a:spcAft>
-              <a:buSzPts val="3600"/>
-              <a:buNone/>
-              <a:defRPr sz="4800"/>
-            </a:lvl7pPr>
-            <a:lvl8pPr lvl="7" rtl="0">
-              <a:spcBef>
-                <a:spcPts val="0"/>
-              </a:spcBef>
-              <a:spcAft>
-                <a:spcPts val="0"/>
-              </a:spcAft>
-              <a:buSzPts val="3600"/>
-              <a:buNone/>
-              <a:defRPr sz="4800"/>
-            </a:lvl8pPr>
-            <a:lvl9pPr lvl="8" rtl="0">
-              <a:spcBef>
-                <a:spcPts val="0"/>
-              </a:spcBef>
-              <a:spcAft>
-                <a:spcPts val="0"/>
-              </a:spcAft>
-              <a:buSzPts val="3600"/>
-              <a:buNone/>
-              <a:defRPr sz="4800"/>
-            </a:lvl9pPr>
-          </a:lstStyle>
-          <a:p>
-            <a:pPr algn="ctr"/>
-            <a:r>
-              <a:rPr lang="en-US" sz="6000" b="1" dirty="0"/>
-              <a:t>Data</a:t>
-            </a:r>
-            <a:endParaRPr lang="bg-BG" sz="6000" b="1" dirty="0"/>
-          </a:p>
-        </p:txBody>
-      </p:sp>
     </p:spTree>
   </p:cSld>
   <p:clrMapOvr>
     <a:masterClrMapping/>
   </p:clrMapOvr>
-  <mc:AlternateContent xmlns:mc="http://schemas.openxmlformats.org/markup-compatibility/2006" xmlns:p159="http://schemas.microsoft.com/office/powerpoint/2015/09/main">
-    <mc:Choice Requires="p159">
-      <p:transition xmlns:p14="http://schemas.microsoft.com/office/powerpoint/2010/main" spd="slow" p14:dur="2000">
-        <p159:morph option="byObject"/>
+  <mc:AlternateContent xmlns:mc="http://schemas.openxmlformats.org/markup-compatibility/2006">
+    <mc:Choice xmlns:p14="http://schemas.microsoft.com/office/powerpoint/2010/main" Requires="p14">
+      <p:transition spd="slow" p14:dur="1000">
+        <p:wipe/>
       </p:transition>
     </mc:Choice>
     <mc:Fallback>
       <p:transition spd="slow">
-        <p:fade/>
+        <p:wipe/>
       </p:transition>
     </mc:Fallback>
   </mc:AlternateContent>
@@ -13517,202 +13125,32 @@
 <file path=ppt/slides/slide4.xml><?xml version="1.0" encoding="utf-8"?>
 <p:sld xmlns:a="http://schemas.openxmlformats.org/drawingml/2006/main" xmlns:r="http://schemas.openxmlformats.org/officeDocument/2006/relationships" xmlns:p="http://schemas.openxmlformats.org/presentationml/2006/main">
   <p:cSld>
+    <p:bg>
+      <p:bgPr>
+        <a:gradFill>
+          <a:gsLst>
+            <a:gs pos="0">
+              <a:srgbClr val="FECF40"/>
+            </a:gs>
+            <a:gs pos="100000">
+              <a:srgbClr val="846C21"/>
+            </a:gs>
+          </a:gsLst>
+          <a:lin scaled="0"/>
+        </a:gradFill>
+        <a:effectLst/>
+      </p:bgPr>
+    </p:bg>
     <p:spTree>
       <p:nvGrpSpPr>
-        <p:cNvPr id="1" name="Shape 476"/>
+        <p:cNvPr id="1" name=""/>
         <p:cNvGrpSpPr/>
         <p:nvPr/>
       </p:nvGrpSpPr>
-      <p:grpSpPr>
-        <a:xfrm>
-          <a:off x="0" y="0"/>
-          <a:ext cx="0" cy="0"/>
-          <a:chOff x="0" y="0"/>
-          <a:chExt cx="0" cy="0"/>
-        </a:xfrm>
-      </p:grpSpPr>
-      <p:sp>
-        <p:nvSpPr>
-          <p:cNvPr id="4" name="Заглавие 1"/>
-          <p:cNvSpPr>
-            <a:spLocks noGrp="1"/>
-          </p:cNvSpPr>
-          <p:nvPr/>
-        </p:nvSpPr>
-        <p:spPr>
-          <a:xfrm>
-            <a:off x="2856081" y="2297596"/>
-            <a:ext cx="6480000" cy="1096400"/>
-          </a:xfrm>
-          <a:prstGeom prst="rect">
-            <a:avLst/>
-          </a:prstGeom>
-        </p:spPr>
-        <p:txBody>
-          <a:bodyPr vert="horz" wrap="square" lIns="91425" tIns="91425" rIns="91425" bIns="91425" rtlCol="0" anchor="ctr" anchorCtr="0">
-            <a:noAutofit/>
-          </a:bodyPr>
-          <a:lstStyle>
-            <a:lvl1pPr lvl="0" algn="l" defTabSz="914400" rtl="0" eaLnBrk="1" latinLnBrk="0" hangingPunct="1">
-              <a:lnSpc>
-                <a:spcPct val="90000"/>
-              </a:lnSpc>
-              <a:spcBef>
-                <a:spcPts val="0"/>
-              </a:spcBef>
-              <a:spcAft>
-                <a:spcPts val="0"/>
-              </a:spcAft>
-              <a:buSzPts val="3600"/>
-              <a:buNone/>
-              <a:defRPr sz="8000" kern="1200">
-                <a:solidFill>
-                  <a:schemeClr val="tx1"/>
-                </a:solidFill>
-                <a:latin typeface="+mj-lt"/>
-                <a:ea typeface="+mj-ea"/>
-                <a:cs typeface="+mj-cs"/>
-              </a:defRPr>
-            </a:lvl1pPr>
-            <a:lvl2pPr lvl="1" rtl="0">
-              <a:spcBef>
-                <a:spcPts val="0"/>
-              </a:spcBef>
-              <a:spcAft>
-                <a:spcPts val="0"/>
-              </a:spcAft>
-              <a:buSzPts val="3600"/>
-              <a:buNone/>
-              <a:defRPr sz="4800"/>
-            </a:lvl2pPr>
-            <a:lvl3pPr lvl="2" rtl="0">
-              <a:spcBef>
-                <a:spcPts val="0"/>
-              </a:spcBef>
-              <a:spcAft>
-                <a:spcPts val="0"/>
-              </a:spcAft>
-              <a:buSzPts val="3600"/>
-              <a:buNone/>
-              <a:defRPr sz="4800"/>
-            </a:lvl3pPr>
-            <a:lvl4pPr lvl="3" rtl="0">
-              <a:spcBef>
-                <a:spcPts val="0"/>
-              </a:spcBef>
-              <a:spcAft>
-                <a:spcPts val="0"/>
-              </a:spcAft>
-              <a:buSzPts val="3600"/>
-              <a:buNone/>
-              <a:defRPr sz="4800"/>
-            </a:lvl4pPr>
-            <a:lvl5pPr lvl="4" rtl="0">
-              <a:spcBef>
-                <a:spcPts val="0"/>
-              </a:spcBef>
-              <a:spcAft>
-                <a:spcPts val="0"/>
-              </a:spcAft>
-              <a:buSzPts val="3600"/>
-              <a:buNone/>
-              <a:defRPr sz="4800"/>
-            </a:lvl5pPr>
-            <a:lvl6pPr lvl="5" rtl="0">
-              <a:spcBef>
-                <a:spcPts val="0"/>
-              </a:spcBef>
-              <a:spcAft>
-                <a:spcPts val="0"/>
-              </a:spcAft>
-              <a:buSzPts val="3600"/>
-              <a:buNone/>
-              <a:defRPr sz="4800"/>
-            </a:lvl6pPr>
-            <a:lvl7pPr lvl="6" rtl="0">
-              <a:spcBef>
-                <a:spcPts val="0"/>
-              </a:spcBef>
-              <a:spcAft>
-                <a:spcPts val="0"/>
-              </a:spcAft>
-              <a:buSzPts val="3600"/>
-              <a:buNone/>
-              <a:defRPr sz="4800"/>
-            </a:lvl7pPr>
-            <a:lvl8pPr lvl="7" rtl="0">
-              <a:spcBef>
-                <a:spcPts val="0"/>
-              </a:spcBef>
-              <a:spcAft>
-                <a:spcPts val="0"/>
-              </a:spcAft>
-              <a:buSzPts val="3600"/>
-              <a:buNone/>
-              <a:defRPr sz="4800"/>
-            </a:lvl8pPr>
-            <a:lvl9pPr lvl="8" rtl="0">
-              <a:spcBef>
-                <a:spcPts val="0"/>
-              </a:spcBef>
-              <a:spcAft>
-                <a:spcPts val="0"/>
-              </a:spcAft>
-              <a:buSzPts val="3600"/>
-              <a:buNone/>
-              <a:defRPr sz="4800"/>
-            </a:lvl9pPr>
-          </a:lstStyle>
-          <a:p>
-            <a:pPr algn="ctr"/>
-            <a:r>
-              <a:rPr lang="en-US" b="1" dirty="0"/>
-              <a:t>Data</a:t>
-            </a:r>
-            <a:endParaRPr lang="en-US" b="1" dirty="0"/>
-          </a:p>
-        </p:txBody>
-      </p:sp>
-    </p:spTree>
-  </p:cSld>
-  <p:clrMapOvr>
-    <a:masterClrMapping/>
-  </p:clrMapOvr>
-  <mc:AlternateContent xmlns:mc="http://schemas.openxmlformats.org/markup-compatibility/2006" xmlns:p159="http://schemas.microsoft.com/office/powerpoint/2015/09/main">
-    <mc:Choice Requires="p159">
-      <p:transition xmlns:p14="http://schemas.microsoft.com/office/powerpoint/2010/main" spd="slow" p14:dur="1500" advClick="0" advTm="1000">
-        <p159:morph option="byObject"/>
-      </p:transition>
-    </mc:Choice>
-    <mc:Fallback>
-      <p:transition spd="slow" advClick="0" advTm="1000">
-        <p:fade/>
-      </p:transition>
-    </mc:Fallback>
-  </mc:AlternateContent>
-</p:sld>
-</file>
-
-<file path=ppt/slides/slide5.xml><?xml version="1.0" encoding="utf-8"?>
-<p:sld xmlns:a="http://schemas.openxmlformats.org/drawingml/2006/main" xmlns:r="http://schemas.openxmlformats.org/officeDocument/2006/relationships" xmlns:p="http://schemas.openxmlformats.org/presentationml/2006/main">
-  <p:cSld>
-    <p:spTree>
-      <p:nvGrpSpPr>
-        <p:cNvPr id="1" name="Shape 476"/>
-        <p:cNvGrpSpPr/>
-        <p:nvPr/>
-      </p:nvGrpSpPr>
-      <p:grpSpPr>
-        <a:xfrm>
-          <a:off x="0" y="0"/>
-          <a:ext cx="0" cy="0"/>
-          <a:chOff x="0" y="0"/>
-          <a:chExt cx="0" cy="0"/>
-        </a:xfrm>
-      </p:grpSpPr>
+      <p:grpSpPr/>
       <p:pic>
         <p:nvPicPr>
-          <p:cNvPr id="2" name="Picture 1" descr="image"/>
+          <p:cNvPr id="5" name="Picture 4"/>
           <p:cNvPicPr>
             <a:picLocks noChangeAspect="1"/>
           </p:cNvPicPr>
@@ -13726,8 +13164,8 @@
         </p:blipFill>
         <p:spPr>
           <a:xfrm>
-            <a:off x="2671445" y="678180"/>
-            <a:ext cx="7085330" cy="6020435"/>
+            <a:off x="5213350" y="892810"/>
+            <a:ext cx="6372225" cy="5415280"/>
           </a:xfrm>
           <a:prstGeom prst="rect">
             <a:avLst/>
@@ -13737,148 +13175,6 @@
       <p:sp>
         <p:nvSpPr>
           <p:cNvPr id="4" name="Заглавие 1"/>
-          <p:cNvSpPr>
-            <a:spLocks noGrp="1"/>
-          </p:cNvSpPr>
-          <p:nvPr/>
-        </p:nvSpPr>
-        <p:spPr>
-          <a:xfrm>
-            <a:off x="-149" y="678346"/>
-            <a:ext cx="6480000" cy="1096400"/>
-          </a:xfrm>
-          <a:prstGeom prst="rect">
-            <a:avLst/>
-          </a:prstGeom>
-        </p:spPr>
-        <p:txBody>
-          <a:bodyPr vert="horz" wrap="square" lIns="91425" tIns="91425" rIns="91425" bIns="91425" rtlCol="0" anchor="ctr" anchorCtr="0">
-            <a:noAutofit/>
-          </a:bodyPr>
-          <a:lstStyle>
-            <a:lvl1pPr lvl="0" algn="l" defTabSz="914400" rtl="0" eaLnBrk="1" latinLnBrk="0" hangingPunct="1">
-              <a:lnSpc>
-                <a:spcPct val="90000"/>
-              </a:lnSpc>
-              <a:spcBef>
-                <a:spcPts val="0"/>
-              </a:spcBef>
-              <a:spcAft>
-                <a:spcPts val="0"/>
-              </a:spcAft>
-              <a:buSzPts val="3600"/>
-              <a:buNone/>
-              <a:defRPr sz="8000" kern="1200">
-                <a:solidFill>
-                  <a:schemeClr val="tx1"/>
-                </a:solidFill>
-                <a:latin typeface="+mj-lt"/>
-                <a:ea typeface="+mj-ea"/>
-                <a:cs typeface="+mj-cs"/>
-              </a:defRPr>
-            </a:lvl1pPr>
-            <a:lvl2pPr lvl="1" rtl="0">
-              <a:spcBef>
-                <a:spcPts val="0"/>
-              </a:spcBef>
-              <a:spcAft>
-                <a:spcPts val="0"/>
-              </a:spcAft>
-              <a:buSzPts val="3600"/>
-              <a:buNone/>
-              <a:defRPr sz="4800"/>
-            </a:lvl2pPr>
-            <a:lvl3pPr lvl="2" rtl="0">
-              <a:spcBef>
-                <a:spcPts val="0"/>
-              </a:spcBef>
-              <a:spcAft>
-                <a:spcPts val="0"/>
-              </a:spcAft>
-              <a:buSzPts val="3600"/>
-              <a:buNone/>
-              <a:defRPr sz="4800"/>
-            </a:lvl3pPr>
-            <a:lvl4pPr lvl="3" rtl="0">
-              <a:spcBef>
-                <a:spcPts val="0"/>
-              </a:spcBef>
-              <a:spcAft>
-                <a:spcPts val="0"/>
-              </a:spcAft>
-              <a:buSzPts val="3600"/>
-              <a:buNone/>
-              <a:defRPr sz="4800"/>
-            </a:lvl4pPr>
-            <a:lvl5pPr lvl="4" rtl="0">
-              <a:spcBef>
-                <a:spcPts val="0"/>
-              </a:spcBef>
-              <a:spcAft>
-                <a:spcPts val="0"/>
-              </a:spcAft>
-              <a:buSzPts val="3600"/>
-              <a:buNone/>
-              <a:defRPr sz="4800"/>
-            </a:lvl5pPr>
-            <a:lvl6pPr lvl="5" rtl="0">
-              <a:spcBef>
-                <a:spcPts val="0"/>
-              </a:spcBef>
-              <a:spcAft>
-                <a:spcPts val="0"/>
-              </a:spcAft>
-              <a:buSzPts val="3600"/>
-              <a:buNone/>
-              <a:defRPr sz="4800"/>
-            </a:lvl6pPr>
-            <a:lvl7pPr lvl="6" rtl="0">
-              <a:spcBef>
-                <a:spcPts val="0"/>
-              </a:spcBef>
-              <a:spcAft>
-                <a:spcPts val="0"/>
-              </a:spcAft>
-              <a:buSzPts val="3600"/>
-              <a:buNone/>
-              <a:defRPr sz="4800"/>
-            </a:lvl7pPr>
-            <a:lvl8pPr lvl="7" rtl="0">
-              <a:spcBef>
-                <a:spcPts val="0"/>
-              </a:spcBef>
-              <a:spcAft>
-                <a:spcPts val="0"/>
-              </a:spcAft>
-              <a:buSzPts val="3600"/>
-              <a:buNone/>
-              <a:defRPr sz="4800"/>
-            </a:lvl8pPr>
-            <a:lvl9pPr lvl="8" rtl="0">
-              <a:spcBef>
-                <a:spcPts val="0"/>
-              </a:spcBef>
-              <a:spcAft>
-                <a:spcPts val="0"/>
-              </a:spcAft>
-              <a:buSzPts val="3600"/>
-              <a:buNone/>
-              <a:defRPr sz="4800"/>
-            </a:lvl9pPr>
-          </a:lstStyle>
-          <a:p>
-            <a:pPr algn="ctr"/>
-            <a:r>
-              <a:rPr lang="en-US" sz="6600" b="1"/>
-              <a:t>Data</a:t>
-            </a:r>
-            <a:endParaRPr lang="en-US" sz="6600" b="1"/>
-          </a:p>
-        </p:txBody>
-      </p:sp>
-      <p:sp>
-        <p:nvSpPr>
-          <p:cNvPr id="3" name="Заглавие 1"/>
           <p:cNvSpPr>
             <a:spLocks noGrp="1"/>
           </p:cNvSpPr>
@@ -13888,19 +13184,19 @@
         </p:nvSpPr>
         <p:spPr>
           <a:xfrm>
-            <a:off x="2760196" y="-1765769"/>
+            <a:off x="1432989" y="1210567"/>
             <a:ext cx="6480000" cy="1096400"/>
           </a:xfrm>
         </p:spPr>
         <p:txBody>
           <a:bodyPr/>
-          <a:p>
-            <a:pPr algn="ctr"/>
+          <a:lstStyle/>
+          <a:p>
             <a:r>
-              <a:rPr lang="en-US" sz="6000" b="1" dirty="0"/>
-              <a:t>Frontend </a:t>
+              <a:rPr lang="en-US" altLang="bg-BG" sz="7200" b="1" dirty="0"/>
+              <a:t>Data</a:t>
             </a:r>
-            <a:endParaRPr lang="bg-BG" sz="6000" b="1" dirty="0"/>
+            <a:endParaRPr lang="en-US" altLang="bg-BG" sz="7200" b="1" dirty="0"/>
           </a:p>
         </p:txBody>
       </p:sp>
@@ -13909,200 +13205,148 @@
   <p:clrMapOvr>
     <a:masterClrMapping/>
   </p:clrMapOvr>
-  <mc:AlternateContent xmlns:mc="http://schemas.openxmlformats.org/markup-compatibility/2006" xmlns:p159="http://schemas.microsoft.com/office/powerpoint/2015/09/main">
-    <mc:Choice Requires="p159">
-      <p:transition xmlns:p14="http://schemas.microsoft.com/office/powerpoint/2010/main" spd="slow" p14:dur="1500">
-        <p159:morph option="byObject"/>
+  <mc:AlternateContent xmlns:mc="http://schemas.openxmlformats.org/markup-compatibility/2006">
+    <mc:Choice xmlns:p14="http://schemas.microsoft.com/office/powerpoint/2010/main" Requires="p14">
+      <p:transition spd="slow" p14:dur="1000">
+        <p:wipe/>
       </p:transition>
     </mc:Choice>
     <mc:Fallback>
       <p:transition spd="slow">
-        <p:fade/>
+        <p:wipe/>
       </p:transition>
     </mc:Fallback>
   </mc:AlternateContent>
-  <p:timing>
-    <p:tnLst>
-      <p:par>
-        <p:cTn id="1" dur="indefinite" restart="never" nodeType="tmRoot">
-          <p:childTnLst>
-            <p:seq concurrent="1" nextAc="seek">
-              <p:cTn id="2" dur="indefinite" nodeType="mainSeq">
-                <p:childTnLst>
-                  <p:par>
-                    <p:cTn id="3" fill="hold">
-                      <p:stCondLst>
-                        <p:cond delay="indefinite"/>
-                        <p:cond evt="onBegin" delay="0">
-                          <p:tn val="2"/>
-                        </p:cond>
-                      </p:stCondLst>
-                      <p:childTnLst>
-                        <p:par>
-                          <p:cTn id="4" fill="hold">
-                            <p:stCondLst>
-                              <p:cond delay="0"/>
-                            </p:stCondLst>
-                            <p:childTnLst>
-                              <p:par>
-                                <p:cTn id="5" presetID="37" presetClass="entr" presetSubtype="0" fill="hold" nodeType="withEffect">
-                                  <p:stCondLst>
-                                    <p:cond delay="0"/>
-                                  </p:stCondLst>
-                                  <p:childTnLst>
-                                    <p:set>
-                                      <p:cBhvr>
-                                        <p:cTn id="6" dur="1" fill="hold">
-                                          <p:stCondLst>
-                                            <p:cond delay="0"/>
-                                          </p:stCondLst>
-                                        </p:cTn>
-                                        <p:tgtEl>
-                                          <p:spTgt spid="2"/>
-                                        </p:tgtEl>
-                                        <p:attrNameLst>
-                                          <p:attrName>style.visibility</p:attrName>
-                                        </p:attrNameLst>
-                                      </p:cBhvr>
-                                      <p:to>
-                                        <p:strVal val="visible"/>
-                                      </p:to>
-                                    </p:set>
-                                    <p:animEffect transition="in" filter="fade">
-                                      <p:cBhvr>
-                                        <p:cTn id="7" dur="500"/>
-                                        <p:tgtEl>
-                                          <p:spTgt spid="2"/>
-                                        </p:tgtEl>
-                                      </p:cBhvr>
-                                    </p:animEffect>
-                                    <p:anim calcmode="lin" valueType="num">
-                                      <p:cBhvr>
-                                        <p:cTn id="8" dur="500" fill="hold"/>
-                                        <p:tgtEl>
-                                          <p:spTgt spid="2"/>
-                                        </p:tgtEl>
-                                        <p:attrNameLst>
-                                          <p:attrName>ppt_x</p:attrName>
-                                        </p:attrNameLst>
-                                      </p:cBhvr>
-                                      <p:tavLst>
-                                        <p:tav tm="0">
-                                          <p:val>
-                                            <p:strVal val="#ppt_x"/>
-                                          </p:val>
-                                        </p:tav>
-                                        <p:tav tm="100000">
-                                          <p:val>
-                                            <p:strVal val="#ppt_x"/>
-                                          </p:val>
-                                        </p:tav>
-                                      </p:tavLst>
-                                    </p:anim>
-                                    <p:anim calcmode="lin" valueType="num">
-                                      <p:cBhvr>
-                                        <p:cTn id="9" dur="450" decel="100000" fill="hold"/>
-                                        <p:tgtEl>
-                                          <p:spTgt spid="2"/>
-                                        </p:tgtEl>
-                                        <p:attrNameLst>
-                                          <p:attrName>ppt_y</p:attrName>
-                                        </p:attrNameLst>
-                                      </p:cBhvr>
-                                      <p:tavLst>
-                                        <p:tav tm="0">
-                                          <p:val>
-                                            <p:strVal val="#ppt_y+1"/>
-                                          </p:val>
-                                        </p:tav>
-                                        <p:tav tm="100000">
-                                          <p:val>
-                                            <p:strVal val="#ppt_y-.03"/>
-                                          </p:val>
-                                        </p:tav>
-                                      </p:tavLst>
-                                    </p:anim>
-                                    <p:anim calcmode="lin" valueType="num">
-                                      <p:cBhvr>
-                                        <p:cTn id="10" dur="50" accel="100000" fill="hold">
-                                          <p:stCondLst>
-                                            <p:cond delay="450"/>
-                                          </p:stCondLst>
-                                        </p:cTn>
-                                        <p:tgtEl>
-                                          <p:spTgt spid="2"/>
-                                        </p:tgtEl>
-                                        <p:attrNameLst>
-                                          <p:attrName>ppt_y</p:attrName>
-                                        </p:attrNameLst>
-                                      </p:cBhvr>
-                                      <p:tavLst>
-                                        <p:tav tm="0">
-                                          <p:val>
-                                            <p:strVal val="#ppt_y-.03"/>
-                                          </p:val>
-                                        </p:tav>
-                                        <p:tav tm="100000">
-                                          <p:val>
-                                            <p:strVal val="#ppt_y"/>
-                                          </p:val>
-                                        </p:tav>
-                                      </p:tavLst>
-                                    </p:anim>
-                                  </p:childTnLst>
-                                </p:cTn>
-                              </p:par>
-                            </p:childTnLst>
-                          </p:cTn>
-                        </p:par>
-                      </p:childTnLst>
-                    </p:cTn>
-                  </p:par>
-                </p:childTnLst>
-              </p:cTn>
-              <p:prevCondLst>
-                <p:cond evt="onPrev" delay="0">
-                  <p:tgtEl>
-                    <p:sldTgt/>
-                  </p:tgtEl>
-                </p:cond>
-              </p:prevCondLst>
-              <p:nextCondLst>
-                <p:cond evt="onNext" delay="0">
-                  <p:tgtEl>
-                    <p:sldTgt/>
-                  </p:tgtEl>
-                </p:cond>
-              </p:nextCondLst>
-            </p:seq>
-          </p:childTnLst>
-        </p:cTn>
-      </p:par>
-    </p:tnLst>
-  </p:timing>
+</p:sld>
+</file>
+
+<file path=ppt/slides/slide5.xml><?xml version="1.0" encoding="utf-8"?>
+<p:sld xmlns:a="http://schemas.openxmlformats.org/drawingml/2006/main" xmlns:r="http://schemas.openxmlformats.org/officeDocument/2006/relationships" xmlns:p="http://schemas.openxmlformats.org/presentationml/2006/main">
+  <p:cSld>
+    <p:bg>
+      <p:bgPr>
+        <a:gradFill>
+          <a:gsLst>
+            <a:gs pos="0">
+              <a:srgbClr val="FECF40"/>
+            </a:gs>
+            <a:gs pos="100000">
+              <a:srgbClr val="846C21"/>
+            </a:gs>
+          </a:gsLst>
+          <a:lin scaled="0"/>
+        </a:gradFill>
+        <a:effectLst/>
+      </p:bgPr>
+    </p:bg>
+    <p:spTree>
+      <p:nvGrpSpPr>
+        <p:cNvPr id="1" name=""/>
+        <p:cNvGrpSpPr/>
+        <p:nvPr/>
+      </p:nvGrpSpPr>
+      <p:grpSpPr/>
+      <p:sp>
+        <p:nvSpPr>
+          <p:cNvPr id="4" name="Заглавие 1"/>
+          <p:cNvSpPr>
+            <a:spLocks noGrp="1"/>
+          </p:cNvSpPr>
+          <p:nvPr>
+            <p:ph type="title"/>
+          </p:nvPr>
+        </p:nvSpPr>
+        <p:spPr>
+          <a:xfrm>
+            <a:off x="1361869" y="1169927"/>
+            <a:ext cx="6480000" cy="1096400"/>
+          </a:xfrm>
+        </p:spPr>
+        <p:txBody>
+          <a:bodyPr/>
+          <a:lstStyle/>
+          <a:p>
+            <a:r>
+              <a:rPr lang="en-US" altLang="bg-BG" sz="7200" b="1" dirty="0"/>
+              <a:t>Backend</a:t>
+            </a:r>
+            <a:endParaRPr lang="en-US" altLang="bg-BG" sz="7200" b="1" dirty="0"/>
+          </a:p>
+        </p:txBody>
+      </p:sp>
+      <p:pic>
+        <p:nvPicPr>
+          <p:cNvPr id="5" name="Picture 4"/>
+          <p:cNvPicPr>
+            <a:picLocks noChangeAspect="1"/>
+          </p:cNvPicPr>
+          <p:nvPr/>
+        </p:nvPicPr>
+        <p:blipFill>
+          <a:blip r:embed="rId1"/>
+          <a:stretch>
+            <a:fillRect/>
+          </a:stretch>
+        </p:blipFill>
+        <p:spPr>
+          <a:xfrm>
+            <a:off x="3520440" y="2125980"/>
+            <a:ext cx="7908925" cy="3663950"/>
+          </a:xfrm>
+          <a:prstGeom prst="rect">
+            <a:avLst/>
+          </a:prstGeom>
+        </p:spPr>
+      </p:pic>
+    </p:spTree>
+  </p:cSld>
+  <p:clrMapOvr>
+    <a:masterClrMapping/>
+  </p:clrMapOvr>
+  <mc:AlternateContent xmlns:mc="http://schemas.openxmlformats.org/markup-compatibility/2006">
+    <mc:Choice xmlns:p14="http://schemas.microsoft.com/office/powerpoint/2010/main" Requires="p14">
+      <p:transition spd="slow" p14:dur="1000">
+        <p:wipe/>
+      </p:transition>
+    </mc:Choice>
+    <mc:Fallback>
+      <p:transition spd="slow">
+        <p:wipe/>
+      </p:transition>
+    </mc:Fallback>
+  </mc:AlternateContent>
 </p:sld>
 </file>
 
 <file path=ppt/slides/slide6.xml><?xml version="1.0" encoding="utf-8"?>
 <p:sld xmlns:a="http://schemas.openxmlformats.org/drawingml/2006/main" xmlns:r="http://schemas.openxmlformats.org/officeDocument/2006/relationships" xmlns:p="http://schemas.openxmlformats.org/presentationml/2006/main">
   <p:cSld>
+    <p:bg>
+      <p:bgPr>
+        <a:gradFill>
+          <a:gsLst>
+            <a:gs pos="0">
+              <a:srgbClr val="FECF40"/>
+            </a:gs>
+            <a:gs pos="100000">
+              <a:srgbClr val="846C21"/>
+            </a:gs>
+          </a:gsLst>
+          <a:lin scaled="0"/>
+        </a:gradFill>
+        <a:effectLst/>
+      </p:bgPr>
+    </p:bg>
     <p:spTree>
       <p:nvGrpSpPr>
         <p:cNvPr id="1" name=""/>
         <p:cNvGrpSpPr/>
         <p:nvPr/>
       </p:nvGrpSpPr>
-      <p:grpSpPr>
-        <a:xfrm>
-          <a:off x="0" y="0"/>
-          <a:ext cx="0" cy="0"/>
-          <a:chOff x="0" y="0"/>
-          <a:chExt cx="0" cy="0"/>
-        </a:xfrm>
-      </p:grpSpPr>
-      <p:sp>
-        <p:nvSpPr>
-          <p:cNvPr id="2" name="Заглавие 1"/>
+      <p:grpSpPr/>
+      <p:sp>
+        <p:nvSpPr>
+          <p:cNvPr id="5" name="Заглавие 1"/>
           <p:cNvSpPr>
             <a:spLocks noGrp="1"/>
           </p:cNvSpPr>
@@ -14112,37 +13356,59 @@
         </p:nvSpPr>
         <p:spPr>
           <a:xfrm>
-            <a:off x="2757656" y="2437296"/>
-            <a:ext cx="6480000" cy="1096400"/>
+            <a:off x="886460" y="1068070"/>
+            <a:ext cx="10821035" cy="1096645"/>
           </a:xfrm>
         </p:spPr>
         <p:txBody>
           <a:bodyPr/>
-          <a:lstStyle/>
-          <a:p>
-            <a:pPr algn="ctr"/>
+          <a:p>
             <a:r>
-              <a:rPr lang="en-US" b="1" dirty="0"/>
-              <a:t>Frontend </a:t>
+              <a:rPr lang="en-US" altLang="bg-BG" sz="7200" b="1" dirty="0"/>
+              <a:t>Frontend</a:t>
             </a:r>
-            <a:endParaRPr lang="en-US" b="1" dirty="0"/>
-          </a:p>
-        </p:txBody>
-      </p:sp>
+            <a:endParaRPr lang="en-US" altLang="bg-BG" sz="7200" b="1" dirty="0"/>
+          </a:p>
+        </p:txBody>
+      </p:sp>
+      <p:pic>
+        <p:nvPicPr>
+          <p:cNvPr id="7" name="Picture 6"/>
+          <p:cNvPicPr>
+            <a:picLocks noChangeAspect="1"/>
+          </p:cNvPicPr>
+          <p:nvPr/>
+        </p:nvPicPr>
+        <p:blipFill>
+          <a:blip r:embed="rId1"/>
+          <a:stretch>
+            <a:fillRect/>
+          </a:stretch>
+        </p:blipFill>
+        <p:spPr>
+          <a:xfrm>
+            <a:off x="2589530" y="1973580"/>
+            <a:ext cx="8409305" cy="3852545"/>
+          </a:xfrm>
+          <a:prstGeom prst="rect">
+            <a:avLst/>
+          </a:prstGeom>
+        </p:spPr>
+      </p:pic>
     </p:spTree>
   </p:cSld>
   <p:clrMapOvr>
     <a:masterClrMapping/>
   </p:clrMapOvr>
-  <mc:AlternateContent xmlns:mc="http://schemas.openxmlformats.org/markup-compatibility/2006" xmlns:p159="http://schemas.microsoft.com/office/powerpoint/2015/09/main">
-    <mc:Choice Requires="p159">
-      <p:transition xmlns:p14="http://schemas.microsoft.com/office/powerpoint/2010/main" spd="slow" p14:dur="1500" advClick="0" advTm="1000">
-        <p159:morph option="byObject"/>
+  <mc:AlternateContent xmlns:mc="http://schemas.openxmlformats.org/markup-compatibility/2006">
+    <mc:Choice xmlns:p14="http://schemas.microsoft.com/office/powerpoint/2010/main" Requires="p14">
+      <p:transition spd="slow" p14:dur="1000">
+        <p:wipe/>
       </p:transition>
     </mc:Choice>
     <mc:Fallback>
-      <p:transition spd="slow" advClick="0" advTm="1000">
-        <p:fade/>
+      <p:transition spd="slow">
+        <p:wipe/>
       </p:transition>
     </mc:Fallback>
   </mc:AlternateContent>
@@ -14153,367 +13419,21 @@
 <p:sld xmlns:a="http://schemas.openxmlformats.org/drawingml/2006/main" xmlns:r="http://schemas.openxmlformats.org/officeDocument/2006/relationships" xmlns:p="http://schemas.openxmlformats.org/presentationml/2006/main">
   <p:cSld>
     <p:bg>
-      <p:bgRef idx="1001">
-        <a:schemeClr val="bg1"/>
-      </p:bgRef>
+      <p:bgPr>
+        <a:gradFill>
+          <a:gsLst>
+            <a:gs pos="0">
+              <a:srgbClr val="FECF40"/>
+            </a:gs>
+            <a:gs pos="100000">
+              <a:srgbClr val="846C21"/>
+            </a:gs>
+          </a:gsLst>
+          <a:lin scaled="0"/>
+        </a:gradFill>
+        <a:effectLst/>
+      </p:bgPr>
     </p:bg>
-    <p:spTree>
-      <p:nvGrpSpPr>
-        <p:cNvPr id="1" name=""/>
-        <p:cNvGrpSpPr/>
-        <p:nvPr/>
-      </p:nvGrpSpPr>
-      <p:grpSpPr>
-        <a:xfrm>
-          <a:off x="0" y="0"/>
-          <a:ext cx="0" cy="0"/>
-          <a:chOff x="0" y="0"/>
-          <a:chExt cx="0" cy="0"/>
-        </a:xfrm>
-      </p:grpSpPr>
-      <p:sp>
-        <p:nvSpPr>
-          <p:cNvPr id="2" name="Заглавие 1"/>
-          <p:cNvSpPr>
-            <a:spLocks noGrp="1"/>
-          </p:cNvSpPr>
-          <p:nvPr>
-            <p:ph type="title"/>
-          </p:nvPr>
-        </p:nvSpPr>
-        <p:spPr>
-          <a:xfrm>
-            <a:off x="2757656" y="114466"/>
-            <a:ext cx="6480000" cy="1096400"/>
-          </a:xfrm>
-        </p:spPr>
-        <p:txBody>
-          <a:bodyPr/>
-          <a:lstStyle/>
-          <a:p>
-            <a:pPr algn="ctr"/>
-            <a:r>
-              <a:rPr lang="en-US" sz="6000" b="1" dirty="0"/>
-              <a:t>Frontend </a:t>
-            </a:r>
-            <a:endParaRPr lang="bg-BG" sz="6000" b="1" dirty="0"/>
-          </a:p>
-        </p:txBody>
-      </p:sp>
-      <p:sp>
-        <p:nvSpPr>
-          <p:cNvPr id="5" name="Заглавие 1"/>
-          <p:cNvSpPr>
-            <a:spLocks noGrp="1"/>
-          </p:cNvSpPr>
-          <p:nvPr/>
-        </p:nvSpPr>
-        <p:spPr>
-          <a:xfrm>
-            <a:off x="2757656" y="1015531"/>
-            <a:ext cx="6480000" cy="1096400"/>
-          </a:xfrm>
-          <a:prstGeom prst="rect">
-            <a:avLst/>
-          </a:prstGeom>
-        </p:spPr>
-        <p:txBody>
-          <a:bodyPr vert="horz" wrap="square" lIns="91425" tIns="91425" rIns="91425" bIns="91425" rtlCol="0" anchor="ctr" anchorCtr="0">
-            <a:noAutofit/>
-          </a:bodyPr>
-          <a:lstStyle>
-            <a:lvl1pPr lvl="0" algn="l" defTabSz="914400" rtl="0" eaLnBrk="1" latinLnBrk="0" hangingPunct="1">
-              <a:lnSpc>
-                <a:spcPct val="90000"/>
-              </a:lnSpc>
-              <a:spcBef>
-                <a:spcPts val="0"/>
-              </a:spcBef>
-              <a:spcAft>
-                <a:spcPts val="0"/>
-              </a:spcAft>
-              <a:buSzPts val="3600"/>
-              <a:buNone/>
-              <a:defRPr sz="8000" kern="1200">
-                <a:solidFill>
-                  <a:schemeClr val="tx1"/>
-                </a:solidFill>
-                <a:latin typeface="+mj-lt"/>
-                <a:ea typeface="+mj-ea"/>
-                <a:cs typeface="+mj-cs"/>
-              </a:defRPr>
-            </a:lvl1pPr>
-            <a:lvl2pPr lvl="1" algn="ctr" rtl="0">
-              <a:spcBef>
-                <a:spcPts val="0"/>
-              </a:spcBef>
-              <a:spcAft>
-                <a:spcPts val="0"/>
-              </a:spcAft>
-              <a:buSzPts val="3600"/>
-              <a:buNone/>
-              <a:defRPr sz="4800"/>
-            </a:lvl2pPr>
-            <a:lvl3pPr lvl="2" algn="ctr" rtl="0">
-              <a:spcBef>
-                <a:spcPts val="0"/>
-              </a:spcBef>
-              <a:spcAft>
-                <a:spcPts val="0"/>
-              </a:spcAft>
-              <a:buSzPts val="3600"/>
-              <a:buNone/>
-              <a:defRPr sz="4800"/>
-            </a:lvl3pPr>
-            <a:lvl4pPr lvl="3" algn="ctr" rtl="0">
-              <a:spcBef>
-                <a:spcPts val="0"/>
-              </a:spcBef>
-              <a:spcAft>
-                <a:spcPts val="0"/>
-              </a:spcAft>
-              <a:buSzPts val="3600"/>
-              <a:buNone/>
-              <a:defRPr sz="4800"/>
-            </a:lvl4pPr>
-            <a:lvl5pPr lvl="4" algn="ctr" rtl="0">
-              <a:spcBef>
-                <a:spcPts val="0"/>
-              </a:spcBef>
-              <a:spcAft>
-                <a:spcPts val="0"/>
-              </a:spcAft>
-              <a:buSzPts val="3600"/>
-              <a:buNone/>
-              <a:defRPr sz="4800"/>
-            </a:lvl5pPr>
-            <a:lvl6pPr lvl="5" algn="ctr" rtl="0">
-              <a:spcBef>
-                <a:spcPts val="0"/>
-              </a:spcBef>
-              <a:spcAft>
-                <a:spcPts val="0"/>
-              </a:spcAft>
-              <a:buSzPts val="3600"/>
-              <a:buNone/>
-              <a:defRPr sz="4800"/>
-            </a:lvl6pPr>
-            <a:lvl7pPr lvl="6" algn="ctr" rtl="0">
-              <a:spcBef>
-                <a:spcPts val="0"/>
-              </a:spcBef>
-              <a:spcAft>
-                <a:spcPts val="0"/>
-              </a:spcAft>
-              <a:buSzPts val="3600"/>
-              <a:buNone/>
-              <a:defRPr sz="4800"/>
-            </a:lvl7pPr>
-            <a:lvl8pPr lvl="7" algn="ctr" rtl="0">
-              <a:spcBef>
-                <a:spcPts val="0"/>
-              </a:spcBef>
-              <a:spcAft>
-                <a:spcPts val="0"/>
-              </a:spcAft>
-              <a:buSzPts val="3600"/>
-              <a:buNone/>
-              <a:defRPr sz="4800"/>
-            </a:lvl8pPr>
-            <a:lvl9pPr lvl="8" algn="ctr" rtl="0">
-              <a:spcBef>
-                <a:spcPts val="0"/>
-              </a:spcBef>
-              <a:spcAft>
-                <a:spcPts val="0"/>
-              </a:spcAft>
-              <a:buSzPts val="3600"/>
-              <a:buNone/>
-              <a:defRPr sz="4800"/>
-            </a:lvl9pPr>
-          </a:lstStyle>
-          <a:p>
-            <a:pPr algn="ctr"/>
-            <a:r>
-              <a:rPr lang="en-US" altLang="bg-BG" sz="6000" b="1" dirty="0"/>
-              <a:t>Login</a:t>
-            </a:r>
-            <a:endParaRPr lang="en-US" altLang="bg-BG" sz="6000" b="1" dirty="0"/>
-          </a:p>
-        </p:txBody>
-      </p:sp>
-    </p:spTree>
-  </p:cSld>
-  <p:clrMapOvr>
-    <a:masterClrMapping/>
-  </p:clrMapOvr>
-  <mc:AlternateContent xmlns:mc="http://schemas.openxmlformats.org/markup-compatibility/2006" xmlns:p159="http://schemas.microsoft.com/office/powerpoint/2015/09/main">
-    <mc:Choice Requires="p159">
-      <p:transition xmlns:p14="http://schemas.microsoft.com/office/powerpoint/2010/main" spd="slow" p14:dur="2000">
-        <p159:morph option="byObject"/>
-      </p:transition>
-    </mc:Choice>
-    <mc:Fallback>
-      <p:transition spd="slow">
-        <p:fade/>
-      </p:transition>
-    </mc:Fallback>
-  </mc:AlternateContent>
-  <p:timing>
-    <p:tnLst>
-      <p:par>
-        <p:cTn id="1" dur="indefinite" restart="never" nodeType="tmRoot">
-          <p:childTnLst>
-            <p:seq concurrent="1" nextAc="seek">
-              <p:cTn id="2" dur="indefinite" nodeType="mainSeq">
-                <p:childTnLst>
-                  <p:par>
-                    <p:cTn id="3" fill="hold">
-                      <p:stCondLst>
-                        <p:cond delay="indefinite"/>
-                        <p:cond evt="onBegin" delay="0">
-                          <p:tn val="2"/>
-                        </p:cond>
-                      </p:stCondLst>
-                      <p:childTnLst>
-                        <p:par>
-                          <p:cTn id="4" fill="hold">
-                            <p:stCondLst>
-                              <p:cond delay="0"/>
-                            </p:stCondLst>
-                            <p:childTnLst>
-                              <p:par>
-                                <p:cTn id="5" presetID="0" presetClass="path" presetSubtype="0" accel="50000" decel="50000" fill="hold" grpId="0" nodeType="withEffect">
-                                  <p:stCondLst>
-                                    <p:cond delay="500"/>
-                                  </p:stCondLst>
-                                  <p:childTnLst>
-                                    <p:animMotion origin="layout" path="M 0 0 L -0.00208333 -0.201852 " pathEditMode="relative" ptsTypes="">
-                                      <p:cBhvr>
-                                        <p:cTn id="6" dur="1000" fill="hold"/>
-                                        <p:tgtEl>
-                                          <p:spTgt spid="2"/>
-                                        </p:tgtEl>
-                                        <p:attrNameLst>
-                                          <p:attrName>ppt_x</p:attrName>
-                                          <p:attrName>ppt_y</p:attrName>
-                                        </p:attrNameLst>
-                                      </p:cBhvr>
-                                    </p:animMotion>
-                                  </p:childTnLst>
-                                </p:cTn>
-                              </p:par>
-                              <p:par>
-                                <p:cTn id="7" presetID="0" presetClass="path" presetSubtype="0" accel="50000" decel="50000" fill="hold" nodeType="withEffect">
-                                  <p:stCondLst>
-                                    <p:cond delay="500"/>
-                                  </p:stCondLst>
-                                  <p:childTnLst>
-                                    <p:animMotion origin="layout" path="M 0 0 L -0.003125 -0.112963 " pathEditMode="relative" ptsTypes="">
-                                      <p:cBhvr>
-                                        <p:cTn id="8" dur="1000" fill="hold"/>
-                                        <p:tgtEl>
-                                          <p:spTgt spid="5"/>
-                                        </p:tgtEl>
-                                        <p:attrNameLst>
-                                          <p:attrName>ppt_x</p:attrName>
-                                          <p:attrName>ppt_y</p:attrName>
-                                        </p:attrNameLst>
-                                      </p:cBhvr>
-                                    </p:animMotion>
-                                  </p:childTnLst>
-                                </p:cTn>
-                              </p:par>
-                            </p:childTnLst>
-                          </p:cTn>
-                        </p:par>
-                      </p:childTnLst>
-                    </p:cTn>
-                  </p:par>
-                </p:childTnLst>
-              </p:cTn>
-              <p:prevCondLst>
-                <p:cond evt="onPrev" delay="0">
-                  <p:tgtEl>
-                    <p:sldTgt/>
-                  </p:tgtEl>
-                </p:cond>
-              </p:prevCondLst>
-              <p:nextCondLst>
-                <p:cond evt="onNext" delay="0">
-                  <p:tgtEl>
-                    <p:sldTgt/>
-                  </p:tgtEl>
-                </p:cond>
-              </p:nextCondLst>
-            </p:seq>
-          </p:childTnLst>
-        </p:cTn>
-      </p:par>
-    </p:tnLst>
-    <p:bldLst>
-      <p:bldP spid="2" grpId="0"/>
-    </p:bldLst>
-  </p:timing>
-</p:sld>
-</file>
-
-<file path=ppt/slides/slide8.xml><?xml version="1.0" encoding="utf-8"?>
-<p:sld xmlns:a="http://schemas.openxmlformats.org/drawingml/2006/main" xmlns:r="http://schemas.openxmlformats.org/officeDocument/2006/relationships" xmlns:p="http://schemas.openxmlformats.org/presentationml/2006/main">
-  <p:cSld>
-    <p:spTree>
-      <p:nvGrpSpPr>
-        <p:cNvPr id="1" name=""/>
-        <p:cNvGrpSpPr/>
-        <p:nvPr/>
-      </p:nvGrpSpPr>
-      <p:grpSpPr>
-        <a:xfrm>
-          <a:off x="0" y="0"/>
-          <a:ext cx="0" cy="0"/>
-          <a:chOff x="0" y="0"/>
-          <a:chExt cx="0" cy="0"/>
-        </a:xfrm>
-      </p:grpSpPr>
-      <p:sp>
-        <p:nvSpPr>
-          <p:cNvPr id="2" name="Title 1"/>
-          <p:cNvSpPr>
-            <a:spLocks noGrp="1"/>
-          </p:cNvSpPr>
-          <p:nvPr>
-            <p:ph type="title"/>
-          </p:nvPr>
-        </p:nvSpPr>
-        <p:spPr>
-          <a:xfrm>
-            <a:off x="2856000" y="691590"/>
-            <a:ext cx="6480000" cy="1096400"/>
-          </a:xfrm>
-        </p:spPr>
-        <p:txBody>
-          <a:bodyPr/>
-          <a:lstStyle/>
-          <a:p>
-            <a:r>
-              <a:rPr lang="en-US" b="1" dirty="0"/>
-              <a:t>Backend </a:t>
-            </a:r>
-            <a:endParaRPr lang="en-US" b="1" dirty="0"/>
-          </a:p>
-        </p:txBody>
-      </p:sp>
-    </p:spTree>
-  </p:cSld>
-  <p:clrMapOvr>
-    <a:masterClrMapping/>
-  </p:clrMapOvr>
-</p:sld>
-</file>
-
-<file path=ppt/slides/slide9.xml><?xml version="1.0" encoding="utf-8"?>
-<p:sld xmlns:a="http://schemas.openxmlformats.org/drawingml/2006/main" xmlns:r="http://schemas.openxmlformats.org/officeDocument/2006/relationships" xmlns:p="http://schemas.openxmlformats.org/presentationml/2006/main">
-  <p:cSld>
     <p:spTree>
       <p:nvGrpSpPr>
         <p:cNvPr id="1" name="Shape 493"/>
@@ -14732,7 +13652,7 @@
           <p:nvPr/>
         </p:nvPicPr>
         <p:blipFill>
-          <a:blip r:embed="rId2" cstate="print">
+          <a:blip r:embed="rId2" cstate="hqprint">
             <a:extLst>
               <a:ext uri="{28A0092B-C50C-407E-A947-70E740481C1C}">
                 <a14:useLocalDpi xmlns:a14="http://schemas.microsoft.com/office/drawing/2010/main" val="0"/>
@@ -14773,7 +13693,7 @@
           <p:nvPr/>
         </p:nvPicPr>
         <p:blipFill>
-          <a:blip r:embed="rId3" cstate="print">
+          <a:blip r:embed="rId3" cstate="hqprint">
             <a:extLst>
               <a:ext uri="{28A0092B-C50C-407E-A947-70E740481C1C}">
                 <a14:useLocalDpi xmlns:a14="http://schemas.microsoft.com/office/drawing/2010/main" val="0"/>
@@ -14803,7 +13723,7 @@
           <p:nvPr/>
         </p:nvPicPr>
         <p:blipFill>
-          <a:blip r:embed="rId4" cstate="print">
+          <a:blip r:embed="rId4" cstate="hqprint">
             <a:extLst>
               <a:ext uri="{28A0092B-C50C-407E-A947-70E740481C1C}">
                 <a14:useLocalDpi xmlns:a14="http://schemas.microsoft.com/office/drawing/2010/main" val="0"/>
@@ -14833,7 +13753,7 @@
           <p:nvPr/>
         </p:nvPicPr>
         <p:blipFill>
-          <a:blip r:embed="rId5" cstate="print">
+          <a:blip r:embed="rId5" cstate="hqprint">
             <a:extLst>
               <a:ext uri="{28A0092B-C50C-407E-A947-70E740481C1C}">
                 <a14:useLocalDpi xmlns:a14="http://schemas.microsoft.com/office/drawing/2010/main" val="0"/>
@@ -14863,7 +13783,7 @@
           <p:nvPr/>
         </p:nvPicPr>
         <p:blipFill>
-          <a:blip r:embed="rId6" cstate="print">
+          <a:blip r:embed="rId6">
             <a:extLst>
               <a:ext uri="{28A0092B-C50C-407E-A947-70E740481C1C}">
                 <a14:useLocalDpi xmlns:a14="http://schemas.microsoft.com/office/drawing/2010/main" val="0"/>
@@ -14893,7 +13813,7 @@
           <p:nvPr/>
         </p:nvPicPr>
         <p:blipFill>
-          <a:blip r:embed="rId7" cstate="print">
+          <a:blip r:embed="rId7" cstate="hqprint">
             <a:extLst>
               <a:ext uri="{28A0092B-C50C-407E-A947-70E740481C1C}">
                 <a14:useLocalDpi xmlns:a14="http://schemas.microsoft.com/office/drawing/2010/main" val="0"/>
@@ -14923,7 +13843,7 @@
           <p:nvPr/>
         </p:nvPicPr>
         <p:blipFill>
-          <a:blip r:embed="rId8" cstate="print">
+          <a:blip r:embed="rId8" cstate="hqprint">
             <a:extLst>
               <a:ext uri="{28A0092B-C50C-407E-A947-70E740481C1C}">
                 <a14:useLocalDpi xmlns:a14="http://schemas.microsoft.com/office/drawing/2010/main" val="0"/>
@@ -14944,20 +13864,167 @@
           </a:prstGeom>
         </p:spPr>
       </p:pic>
+      <p:sp>
+        <p:nvSpPr>
+          <p:cNvPr id="8" name="Text Box 7"/>
+          <p:cNvSpPr txBox="1"/>
+          <p:nvPr/>
+        </p:nvSpPr>
+        <p:spPr>
+          <a:xfrm>
+            <a:off x="6564630" y="3126105"/>
+            <a:ext cx="1304925" cy="583565"/>
+          </a:xfrm>
+          <a:prstGeom prst="rect">
+            <a:avLst/>
+          </a:prstGeom>
+          <a:noFill/>
+        </p:spPr>
+        <p:txBody>
+          <a:bodyPr wrap="square" rtlCol="0">
+            <a:spAutoFit/>
+          </a:bodyPr>
+          <a:p>
+            <a:pPr algn="ctr"/>
+            <a:r>
+              <a:rPr lang="en-US" altLang="en-US" sz="3200" b="1">
+                <a:latin typeface="Arial Black" panose="020B0A04020102020204" charset="0"/>
+                <a:cs typeface="Arial Black" panose="020B0A04020102020204" charset="0"/>
+              </a:rPr>
+              <a:t>CSS</a:t>
+            </a:r>
+            <a:endParaRPr lang="en-US" altLang="en-US" sz="3200" b="1">
+              <a:latin typeface="Arial Black" panose="020B0A04020102020204" charset="0"/>
+              <a:cs typeface="Arial Black" panose="020B0A04020102020204" charset="0"/>
+            </a:endParaRPr>
+          </a:p>
+        </p:txBody>
+      </p:sp>
     </p:spTree>
   </p:cSld>
   <p:clrMapOvr>
     <a:masterClrMapping/>
   </p:clrMapOvr>
-  <mc:AlternateContent xmlns:mc="http://schemas.openxmlformats.org/markup-compatibility/2006" xmlns:p159="http://schemas.microsoft.com/office/powerpoint/2015/09/main">
-    <mc:Choice Requires="p159">
-      <p:transition xmlns:p14="http://schemas.microsoft.com/office/powerpoint/2010/main" spd="slow" p14:dur="2000">
-        <p159:morph option="byObject"/>
+  <mc:AlternateContent xmlns:mc="http://schemas.openxmlformats.org/markup-compatibility/2006">
+    <mc:Choice xmlns:p14="http://schemas.microsoft.com/office/powerpoint/2010/main" Requires="p14">
+      <p:transition spd="slow" p14:dur="1000">
+        <p:wipe/>
       </p:transition>
     </mc:Choice>
     <mc:Fallback>
       <p:transition spd="slow">
-        <p:fade/>
+        <p:wipe/>
+      </p:transition>
+    </mc:Fallback>
+  </mc:AlternateContent>
+</p:sld>
+</file>
+
+<file path=ppt/slides/slide8.xml><?xml version="1.0" encoding="utf-8"?>
+<p:sld xmlns:a="http://schemas.openxmlformats.org/drawingml/2006/main" xmlns:r="http://schemas.openxmlformats.org/officeDocument/2006/relationships" xmlns:p="http://schemas.openxmlformats.org/presentationml/2006/main">
+  <p:cSld>
+    <p:bg>
+      <p:bgPr>
+        <a:gradFill>
+          <a:gsLst>
+            <a:gs pos="0">
+              <a:srgbClr val="FECF40"/>
+            </a:gs>
+            <a:gs pos="100000">
+              <a:srgbClr val="846C21"/>
+            </a:gs>
+          </a:gsLst>
+          <a:lin scaled="0"/>
+        </a:gradFill>
+        <a:effectLst/>
+      </p:bgPr>
+    </p:bg>
+    <p:spTree>
+      <p:nvGrpSpPr>
+        <p:cNvPr id="1" name="Shape 504"/>
+        <p:cNvGrpSpPr/>
+        <p:nvPr/>
+      </p:nvGrpSpPr>
+      <p:grpSpPr>
+        <a:xfrm>
+          <a:off x="0" y="0"/>
+          <a:ext cx="0" cy="0"/>
+          <a:chOff x="0" y="0"/>
+          <a:chExt cx="0" cy="0"/>
+        </a:xfrm>
+      </p:grpSpPr>
+      <p:sp>
+        <p:nvSpPr>
+          <p:cNvPr id="505" name="Google Shape;505;p33"/>
+          <p:cNvSpPr txBox="1">
+            <a:spLocks noGrp="1"/>
+          </p:cNvSpPr>
+          <p:nvPr>
+            <p:ph type="title"/>
+          </p:nvPr>
+        </p:nvSpPr>
+        <p:spPr>
+          <a:xfrm>
+            <a:off x="303276" y="2117590"/>
+            <a:ext cx="11585448" cy="2897140"/>
+          </a:xfrm>
+          <a:prstGeom prst="rect">
+            <a:avLst/>
+          </a:prstGeom>
+        </p:spPr>
+        <p:txBody>
+          <a:bodyPr spcFirstLastPara="1" vert="horz" wrap="square" lIns="121900" tIns="121900" rIns="121900" bIns="121900" rtlCol="0" anchor="ctr" anchorCtr="0">
+            <a:noAutofit/>
+          </a:bodyPr>
+          <a:lstStyle/>
+          <a:p>
+            <a:r>
+              <a:rPr lang="bg-BG" sz="9000" b="1" dirty="0" smtClean="0">
+                <a:solidFill>
+                  <a:schemeClr val="tx2">
+                    <a:lumMod val="75000"/>
+                  </a:schemeClr>
+                </a:solidFill>
+                <a:latin typeface="Josefin Sans" pitchFamily="2" charset="0"/>
+              </a:rPr>
+              <a:t>Благодарим за вниманието</a:t>
+            </a:r>
+            <a:r>
+              <a:rPr lang="en-GB" sz="9000" b="1" dirty="0" smtClean="0">
+                <a:solidFill>
+                  <a:schemeClr val="tx2">
+                    <a:lumMod val="75000"/>
+                  </a:schemeClr>
+                </a:solidFill>
+                <a:latin typeface="Josefin Sans" pitchFamily="2" charset="0"/>
+              </a:rPr>
+              <a:t>!</a:t>
+            </a:r>
+            <a:endParaRPr sz="9000" b="1" dirty="0">
+              <a:solidFill>
+                <a:schemeClr val="tx2">
+                  <a:lumMod val="75000"/>
+                </a:schemeClr>
+              </a:solidFill>
+              <a:latin typeface="Josefin Sans" pitchFamily="2" charset="0"/>
+            </a:endParaRPr>
+          </a:p>
+        </p:txBody>
+      </p:sp>
+    </p:spTree>
+  </p:cSld>
+  <p:clrMapOvr>
+    <a:masterClrMapping/>
+  </p:clrMapOvr>
+  <mc:AlternateContent xmlns:mc="http://schemas.openxmlformats.org/markup-compatibility/2006">
+    <mc:Choice xmlns:p14="http://schemas.microsoft.com/office/powerpoint/2010/main" Requires="p14">
+      <p:transition spd="slow" p14:dur="1000">
+        <p:wipe/>
+      </p:transition>
+    </mc:Choice>
+    <mc:Fallback>
+      <p:transition spd="slow">
+        <p:wipe/>
       </p:transition>
     </mc:Fallback>
   </mc:AlternateContent>
